--- a/Docs/Data Access Application Layers.pptx
+++ b/Docs/Data Access Application Layers.pptx
@@ -12,6 +12,12 @@
     <p:sldId id="260" r:id="rId6"/>
     <p:sldId id="261" r:id="rId7"/>
     <p:sldId id="262" r:id="rId8"/>
+    <p:sldId id="264" r:id="rId9"/>
+    <p:sldId id="265" r:id="rId10"/>
+    <p:sldId id="266" r:id="rId11"/>
+    <p:sldId id="267" r:id="rId12"/>
+    <p:sldId id="263" r:id="rId13"/>
+    <p:sldId id="268" r:id="rId14"/>
   </p:sldIdLst>
   <p:sldSz cx="12192000" cy="6858000"/>
   <p:notesSz cx="6858000" cy="9144000"/>
@@ -18092,6 +18098,508 @@
 </p:sld>
 </file>
 
+<file path=ppt/slides/slide10.xml><?xml version="1.0" encoding="utf-8"?>
+<p:sld xmlns:a="http://schemas.openxmlformats.org/drawingml/2006/main" xmlns:r="http://schemas.openxmlformats.org/officeDocument/2006/relationships" xmlns:p="http://schemas.openxmlformats.org/presentationml/2006/main">
+  <p:cSld>
+    <p:spTree>
+      <p:nvGrpSpPr>
+        <p:cNvPr id="1" name=""/>
+        <p:cNvGrpSpPr/>
+        <p:nvPr/>
+      </p:nvGrpSpPr>
+      <p:grpSpPr>
+        <a:xfrm>
+          <a:off x="0" y="0"/>
+          <a:ext cx="0" cy="0"/>
+          <a:chOff x="0" y="0"/>
+          <a:chExt cx="0" cy="0"/>
+        </a:xfrm>
+      </p:grpSpPr>
+      <p:sp>
+        <p:nvSpPr>
+          <p:cNvPr id="2" name="Title 1"/>
+          <p:cNvSpPr>
+            <a:spLocks noGrp="1"/>
+          </p:cNvSpPr>
+          <p:nvPr>
+            <p:ph type="title"/>
+          </p:nvPr>
+        </p:nvSpPr>
+        <p:spPr/>
+        <p:txBody>
+          <a:bodyPr/>
+          <a:lstStyle/>
+          <a:p>
+            <a:r>
+              <a:rPr lang="en-US" dirty="0" err="1" smtClean="0"/>
+              <a:t>SignalR</a:t>
+            </a:r>
+            <a:r>
+              <a:rPr lang="en-US" dirty="0" smtClean="0"/>
+              <a:t> (WIP)</a:t>
+            </a:r>
+            <a:endParaRPr lang="en-US" dirty="0"/>
+          </a:p>
+        </p:txBody>
+      </p:sp>
+      <p:pic>
+        <p:nvPicPr>
+          <p:cNvPr id="4" name="Content Placeholder 3"/>
+          <p:cNvPicPr>
+            <a:picLocks noGrp="1" noChangeAspect="1"/>
+          </p:cNvPicPr>
+          <p:nvPr>
+            <p:ph idx="1"/>
+          </p:nvPr>
+        </p:nvPicPr>
+        <p:blipFill>
+          <a:blip r:embed="rId2"/>
+          <a:stretch>
+            <a:fillRect/>
+          </a:stretch>
+        </p:blipFill>
+        <p:spPr>
+          <a:xfrm>
+            <a:off x="4372698" y="1825625"/>
+            <a:ext cx="3446604" cy="4351338"/>
+          </a:xfrm>
+          <a:prstGeom prst="rect">
+            <a:avLst/>
+          </a:prstGeom>
+        </p:spPr>
+      </p:pic>
+    </p:spTree>
+    <p:extLst>
+      <p:ext uri="{BB962C8B-B14F-4D97-AF65-F5344CB8AC3E}">
+        <p14:creationId xmlns:p14="http://schemas.microsoft.com/office/powerpoint/2010/main" val="1210791419"/>
+      </p:ext>
+    </p:extLst>
+  </p:cSld>
+  <p:clrMapOvr>
+    <a:masterClrMapping/>
+  </p:clrMapOvr>
+</p:sld>
+</file>
+
+<file path=ppt/slides/slide11.xml><?xml version="1.0" encoding="utf-8"?>
+<p:sld xmlns:a="http://schemas.openxmlformats.org/drawingml/2006/main" xmlns:r="http://schemas.openxmlformats.org/officeDocument/2006/relationships" xmlns:p="http://schemas.openxmlformats.org/presentationml/2006/main">
+  <p:cSld>
+    <p:spTree>
+      <p:nvGrpSpPr>
+        <p:cNvPr id="1" name=""/>
+        <p:cNvGrpSpPr/>
+        <p:nvPr/>
+      </p:nvGrpSpPr>
+      <p:grpSpPr>
+        <a:xfrm>
+          <a:off x="0" y="0"/>
+          <a:ext cx="0" cy="0"/>
+          <a:chOff x="0" y="0"/>
+          <a:chExt cx="0" cy="0"/>
+        </a:xfrm>
+      </p:grpSpPr>
+      <p:sp>
+        <p:nvSpPr>
+          <p:cNvPr id="2" name="Title 1"/>
+          <p:cNvSpPr>
+            <a:spLocks noGrp="1"/>
+          </p:cNvSpPr>
+          <p:nvPr>
+            <p:ph type="title"/>
+          </p:nvPr>
+        </p:nvSpPr>
+        <p:spPr/>
+        <p:txBody>
+          <a:bodyPr/>
+          <a:lstStyle/>
+          <a:p>
+            <a:r>
+              <a:rPr lang="en-US" dirty="0" smtClean="0"/>
+              <a:t>Parquet</a:t>
+            </a:r>
+            <a:endParaRPr lang="en-US" dirty="0"/>
+          </a:p>
+        </p:txBody>
+      </p:sp>
+      <p:pic>
+        <p:nvPicPr>
+          <p:cNvPr id="4" name="Content Placeholder 3"/>
+          <p:cNvPicPr>
+            <a:picLocks noGrp="1" noChangeAspect="1"/>
+          </p:cNvPicPr>
+          <p:nvPr>
+            <p:ph idx="1"/>
+          </p:nvPr>
+        </p:nvPicPr>
+        <p:blipFill>
+          <a:blip r:embed="rId2"/>
+          <a:stretch>
+            <a:fillRect/>
+          </a:stretch>
+        </p:blipFill>
+        <p:spPr>
+          <a:xfrm>
+            <a:off x="838200" y="1690688"/>
+            <a:ext cx="6134956" cy="2410161"/>
+          </a:xfrm>
+          <a:prstGeom prst="rect">
+            <a:avLst/>
+          </a:prstGeom>
+        </p:spPr>
+      </p:pic>
+      <p:pic>
+        <p:nvPicPr>
+          <p:cNvPr id="5" name="Picture 4"/>
+          <p:cNvPicPr>
+            <a:picLocks noChangeAspect="1"/>
+          </p:cNvPicPr>
+          <p:nvPr/>
+        </p:nvPicPr>
+        <p:blipFill>
+          <a:blip r:embed="rId3"/>
+          <a:stretch>
+            <a:fillRect/>
+          </a:stretch>
+        </p:blipFill>
+        <p:spPr>
+          <a:xfrm>
+            <a:off x="6973156" y="365124"/>
+            <a:ext cx="4406492" cy="1901825"/>
+          </a:xfrm>
+          <a:prstGeom prst="rect">
+            <a:avLst/>
+          </a:prstGeom>
+        </p:spPr>
+      </p:pic>
+      <p:pic>
+        <p:nvPicPr>
+          <p:cNvPr id="6" name="Picture 5"/>
+          <p:cNvPicPr>
+            <a:picLocks noChangeAspect="1"/>
+          </p:cNvPicPr>
+          <p:nvPr/>
+        </p:nvPicPr>
+        <p:blipFill>
+          <a:blip r:embed="rId4"/>
+          <a:stretch>
+            <a:fillRect/>
+          </a:stretch>
+        </p:blipFill>
+        <p:spPr>
+          <a:xfrm>
+            <a:off x="6973156" y="2470197"/>
+            <a:ext cx="4767866" cy="2244629"/>
+          </a:xfrm>
+          <a:prstGeom prst="rect">
+            <a:avLst/>
+          </a:prstGeom>
+        </p:spPr>
+      </p:pic>
+    </p:spTree>
+    <p:extLst>
+      <p:ext uri="{BB962C8B-B14F-4D97-AF65-F5344CB8AC3E}">
+        <p14:creationId xmlns:p14="http://schemas.microsoft.com/office/powerpoint/2010/main" val="5404698"/>
+      </p:ext>
+    </p:extLst>
+  </p:cSld>
+  <p:clrMapOvr>
+    <a:masterClrMapping/>
+  </p:clrMapOvr>
+</p:sld>
+</file>
+
+<file path=ppt/slides/slide12.xml><?xml version="1.0" encoding="utf-8"?>
+<p:sld xmlns:a="http://schemas.openxmlformats.org/drawingml/2006/main" xmlns:r="http://schemas.openxmlformats.org/officeDocument/2006/relationships" xmlns:p="http://schemas.openxmlformats.org/presentationml/2006/main">
+  <p:cSld>
+    <p:spTree>
+      <p:nvGrpSpPr>
+        <p:cNvPr id="1" name=""/>
+        <p:cNvGrpSpPr/>
+        <p:nvPr/>
+      </p:nvGrpSpPr>
+      <p:grpSpPr>
+        <a:xfrm>
+          <a:off x="0" y="0"/>
+          <a:ext cx="0" cy="0"/>
+          <a:chOff x="0" y="0"/>
+          <a:chExt cx="0" cy="0"/>
+        </a:xfrm>
+      </p:grpSpPr>
+      <p:sp>
+        <p:nvSpPr>
+          <p:cNvPr id="2" name="Title 1"/>
+          <p:cNvSpPr>
+            <a:spLocks noGrp="1"/>
+          </p:cNvSpPr>
+          <p:nvPr>
+            <p:ph type="title"/>
+          </p:nvPr>
+        </p:nvSpPr>
+        <p:spPr/>
+        <p:txBody>
+          <a:bodyPr/>
+          <a:lstStyle/>
+          <a:p>
+            <a:r>
+              <a:rPr lang="en-US" dirty="0" smtClean="0"/>
+              <a:t>Test Coverage</a:t>
+            </a:r>
+            <a:r>
+              <a:rPr lang="en-US" dirty="0"/>
+              <a:t> </a:t>
+            </a:r>
+            <a:r>
+              <a:rPr lang="en-US" dirty="0" smtClean="0"/>
+              <a:t>-- OK for demo </a:t>
+            </a:r>
+            <a:r>
+              <a:rPr lang="en-US" dirty="0" smtClean="0">
+                <a:sym typeface="Wingdings" panose="05000000000000000000" pitchFamily="2" charset="2"/>
+              </a:rPr>
+              <a:t></a:t>
+            </a:r>
+            <a:endParaRPr lang="en-US" dirty="0"/>
+          </a:p>
+        </p:txBody>
+      </p:sp>
+      <p:pic>
+        <p:nvPicPr>
+          <p:cNvPr id="4" name="Content Placeholder 3"/>
+          <p:cNvPicPr>
+            <a:picLocks noGrp="1" noChangeAspect="1"/>
+          </p:cNvPicPr>
+          <p:nvPr>
+            <p:ph idx="1"/>
+          </p:nvPr>
+        </p:nvPicPr>
+        <p:blipFill>
+          <a:blip r:embed="rId2"/>
+          <a:stretch>
+            <a:fillRect/>
+          </a:stretch>
+        </p:blipFill>
+        <p:spPr>
+          <a:xfrm>
+            <a:off x="838200" y="1457325"/>
+            <a:ext cx="8953500" cy="4929040"/>
+          </a:xfrm>
+          <a:prstGeom prst="rect">
+            <a:avLst/>
+          </a:prstGeom>
+        </p:spPr>
+      </p:pic>
+    </p:spTree>
+    <p:extLst>
+      <p:ext uri="{BB962C8B-B14F-4D97-AF65-F5344CB8AC3E}">
+        <p14:creationId xmlns:p14="http://schemas.microsoft.com/office/powerpoint/2010/main" val="1515888778"/>
+      </p:ext>
+    </p:extLst>
+  </p:cSld>
+  <p:clrMapOvr>
+    <a:masterClrMapping/>
+  </p:clrMapOvr>
+</p:sld>
+</file>
+
+<file path=ppt/slides/slide13.xml><?xml version="1.0" encoding="utf-8"?>
+<p:sld xmlns:a="http://schemas.openxmlformats.org/drawingml/2006/main" xmlns:r="http://schemas.openxmlformats.org/officeDocument/2006/relationships" xmlns:p="http://schemas.openxmlformats.org/presentationml/2006/main">
+  <p:cSld>
+    <p:spTree>
+      <p:nvGrpSpPr>
+        <p:cNvPr id="1" name=""/>
+        <p:cNvGrpSpPr/>
+        <p:nvPr/>
+      </p:nvGrpSpPr>
+      <p:grpSpPr>
+        <a:xfrm>
+          <a:off x="0" y="0"/>
+          <a:ext cx="0" cy="0"/>
+          <a:chOff x="0" y="0"/>
+          <a:chExt cx="0" cy="0"/>
+        </a:xfrm>
+      </p:grpSpPr>
+      <p:sp>
+        <p:nvSpPr>
+          <p:cNvPr id="2" name="Title 1"/>
+          <p:cNvSpPr>
+            <a:spLocks noGrp="1"/>
+          </p:cNvSpPr>
+          <p:nvPr>
+            <p:ph type="title"/>
+          </p:nvPr>
+        </p:nvSpPr>
+        <p:spPr/>
+        <p:txBody>
+          <a:bodyPr/>
+          <a:lstStyle/>
+          <a:p>
+            <a:r>
+              <a:rPr lang="en-US" dirty="0" smtClean="0"/>
+              <a:t>Example Test</a:t>
+            </a:r>
+            <a:endParaRPr lang="en-US" dirty="0"/>
+          </a:p>
+        </p:txBody>
+      </p:sp>
+      <p:pic>
+        <p:nvPicPr>
+          <p:cNvPr id="4" name="Content Placeholder 3"/>
+          <p:cNvPicPr>
+            <a:picLocks noGrp="1" noChangeAspect="1"/>
+          </p:cNvPicPr>
+          <p:nvPr>
+            <p:ph idx="1"/>
+          </p:nvPr>
+        </p:nvPicPr>
+        <p:blipFill>
+          <a:blip r:embed="rId2"/>
+          <a:stretch>
+            <a:fillRect/>
+          </a:stretch>
+        </p:blipFill>
+        <p:spPr>
+          <a:xfrm>
+            <a:off x="537714" y="1591191"/>
+            <a:ext cx="7177535" cy="4457964"/>
+          </a:xfrm>
+          <a:prstGeom prst="rect">
+            <a:avLst/>
+          </a:prstGeom>
+        </p:spPr>
+      </p:pic>
+      <p:pic>
+        <p:nvPicPr>
+          <p:cNvPr id="7" name="Picture 6"/>
+          <p:cNvPicPr>
+            <a:picLocks noChangeAspect="1"/>
+          </p:cNvPicPr>
+          <p:nvPr/>
+        </p:nvPicPr>
+        <p:blipFill>
+          <a:blip r:embed="rId3"/>
+          <a:stretch>
+            <a:fillRect/>
+          </a:stretch>
+        </p:blipFill>
+        <p:spPr>
+          <a:xfrm>
+            <a:off x="5166837" y="365125"/>
+            <a:ext cx="5996463" cy="561906"/>
+          </a:xfrm>
+          <a:prstGeom prst="rect">
+            <a:avLst/>
+          </a:prstGeom>
+        </p:spPr>
+      </p:pic>
+      <p:pic>
+        <p:nvPicPr>
+          <p:cNvPr id="8" name="Picture 7"/>
+          <p:cNvPicPr>
+            <a:picLocks noChangeAspect="1"/>
+          </p:cNvPicPr>
+          <p:nvPr/>
+        </p:nvPicPr>
+        <p:blipFill>
+          <a:blip r:embed="rId4"/>
+          <a:stretch>
+            <a:fillRect/>
+          </a:stretch>
+        </p:blipFill>
+        <p:spPr>
+          <a:xfrm>
+            <a:off x="6257240" y="794438"/>
+            <a:ext cx="4906060" cy="1028844"/>
+          </a:xfrm>
+          <a:prstGeom prst="rect">
+            <a:avLst/>
+          </a:prstGeom>
+        </p:spPr>
+      </p:pic>
+      <p:pic>
+        <p:nvPicPr>
+          <p:cNvPr id="10" name="Picture 9"/>
+          <p:cNvPicPr>
+            <a:picLocks noChangeAspect="1"/>
+          </p:cNvPicPr>
+          <p:nvPr/>
+        </p:nvPicPr>
+        <p:blipFill>
+          <a:blip r:embed="rId5"/>
+          <a:stretch>
+            <a:fillRect/>
+          </a:stretch>
+        </p:blipFill>
+        <p:spPr>
+          <a:xfrm>
+            <a:off x="6781732" y="1658769"/>
+            <a:ext cx="4872554" cy="696079"/>
+          </a:xfrm>
+          <a:prstGeom prst="rect">
+            <a:avLst/>
+          </a:prstGeom>
+        </p:spPr>
+      </p:pic>
+      <p:pic>
+        <p:nvPicPr>
+          <p:cNvPr id="11" name="Picture 10"/>
+          <p:cNvPicPr>
+            <a:picLocks noChangeAspect="1"/>
+          </p:cNvPicPr>
+          <p:nvPr/>
+        </p:nvPicPr>
+        <p:blipFill>
+          <a:blip r:embed="rId6"/>
+          <a:stretch>
+            <a:fillRect/>
+          </a:stretch>
+        </p:blipFill>
+        <p:spPr>
+          <a:xfrm>
+            <a:off x="7314737" y="2093599"/>
+            <a:ext cx="3509909" cy="2314724"/>
+          </a:xfrm>
+          <a:prstGeom prst="rect">
+            <a:avLst/>
+          </a:prstGeom>
+        </p:spPr>
+      </p:pic>
+      <p:pic>
+        <p:nvPicPr>
+          <p:cNvPr id="12" name="Picture 11"/>
+          <p:cNvPicPr>
+            <a:picLocks noChangeAspect="1"/>
+          </p:cNvPicPr>
+          <p:nvPr/>
+        </p:nvPicPr>
+        <p:blipFill>
+          <a:blip r:embed="rId7"/>
+          <a:stretch>
+            <a:fillRect/>
+          </a:stretch>
+        </p:blipFill>
+        <p:spPr>
+          <a:xfrm>
+            <a:off x="8098633" y="4417362"/>
+            <a:ext cx="3172268" cy="1590897"/>
+          </a:xfrm>
+          <a:prstGeom prst="rect">
+            <a:avLst/>
+          </a:prstGeom>
+        </p:spPr>
+      </p:pic>
+    </p:spTree>
+    <p:extLst>
+      <p:ext uri="{BB962C8B-B14F-4D97-AF65-F5344CB8AC3E}">
+        <p14:creationId xmlns:p14="http://schemas.microsoft.com/office/powerpoint/2010/main" val="70932150"/>
+      </p:ext>
+    </p:extLst>
+  </p:cSld>
+  <p:clrMapOvr>
+    <a:masterClrMapping/>
+  </p:clrMapOvr>
+</p:sld>
+</file>
+
 <file path=ppt/slides/slide2.xml><?xml version="1.0" encoding="utf-8"?>
 <p:sld xmlns:a="http://schemas.openxmlformats.org/drawingml/2006/main" xmlns:r="http://schemas.openxmlformats.org/officeDocument/2006/relationships" xmlns:p="http://schemas.openxmlformats.org/presentationml/2006/main">
   <p:cSld>
@@ -18721,11 +19229,7 @@
             <a:pPr lvl="1"/>
             <a:r>
               <a:rPr lang="en-US" dirty="0" smtClean="0"/>
-              <a:t>Full-stack </a:t>
-            </a:r>
-            <a:r>
-              <a:rPr lang="en-US" smtClean="0"/>
-              <a:t>integration testing</a:t>
+              <a:t>Full-stack integration testing</a:t>
             </a:r>
             <a:endParaRPr lang="en-US" dirty="0"/>
           </a:p>
@@ -18765,6 +19269,430 @@
   <p:clrMapOvr>
     <a:masterClrMapping/>
   </p:clrMapOvr>
+</p:sld>
+</file>
+
+<file path=ppt/slides/slide8.xml><?xml version="1.0" encoding="utf-8"?>
+<p:sld xmlns:a="http://schemas.openxmlformats.org/drawingml/2006/main" xmlns:r="http://schemas.openxmlformats.org/officeDocument/2006/relationships" xmlns:p="http://schemas.openxmlformats.org/presentationml/2006/main">
+  <p:cSld>
+    <p:spTree>
+      <p:nvGrpSpPr>
+        <p:cNvPr id="1" name=""/>
+        <p:cNvGrpSpPr/>
+        <p:nvPr/>
+      </p:nvGrpSpPr>
+      <p:grpSpPr>
+        <a:xfrm>
+          <a:off x="0" y="0"/>
+          <a:ext cx="0" cy="0"/>
+          <a:chOff x="0" y="0"/>
+          <a:chExt cx="0" cy="0"/>
+        </a:xfrm>
+      </p:grpSpPr>
+      <p:grpSp>
+        <p:nvGrpSpPr>
+          <p:cNvPr id="13" name="Group 12"/>
+          <p:cNvGrpSpPr/>
+          <p:nvPr/>
+        </p:nvGrpSpPr>
+        <p:grpSpPr>
+          <a:xfrm>
+            <a:off x="625765" y="3164255"/>
+            <a:ext cx="6562725" cy="3693745"/>
+            <a:chOff x="4435765" y="133144"/>
+            <a:chExt cx="6562725" cy="3693745"/>
+          </a:xfrm>
+        </p:grpSpPr>
+        <p:pic>
+          <p:nvPicPr>
+            <p:cNvPr id="5" name="Picture 4"/>
+            <p:cNvPicPr>
+              <a:picLocks noChangeAspect="1"/>
+            </p:cNvPicPr>
+            <p:nvPr/>
+          </p:nvPicPr>
+          <p:blipFill>
+            <a:blip r:embed="rId2"/>
+            <a:stretch>
+              <a:fillRect/>
+            </a:stretch>
+          </p:blipFill>
+          <p:spPr>
+            <a:xfrm>
+              <a:off x="4435765" y="133144"/>
+              <a:ext cx="2513771" cy="417512"/>
+            </a:xfrm>
+            <a:prstGeom prst="rect">
+              <a:avLst/>
+            </a:prstGeom>
+          </p:spPr>
+        </p:pic>
+        <p:pic>
+          <p:nvPicPr>
+            <p:cNvPr id="6" name="Picture 5"/>
+            <p:cNvPicPr>
+              <a:picLocks noChangeAspect="1"/>
+            </p:cNvPicPr>
+            <p:nvPr/>
+          </p:nvPicPr>
+          <p:blipFill>
+            <a:blip r:embed="rId3"/>
+            <a:stretch>
+              <a:fillRect/>
+            </a:stretch>
+          </p:blipFill>
+          <p:spPr>
+            <a:xfrm>
+              <a:off x="5298832" y="365125"/>
+              <a:ext cx="3100964" cy="937390"/>
+            </a:xfrm>
+            <a:prstGeom prst="rect">
+              <a:avLst/>
+            </a:prstGeom>
+          </p:spPr>
+        </p:pic>
+        <p:pic>
+          <p:nvPicPr>
+            <p:cNvPr id="12" name="Picture 11"/>
+            <p:cNvPicPr>
+              <a:picLocks noChangeAspect="1"/>
+            </p:cNvPicPr>
+            <p:nvPr/>
+          </p:nvPicPr>
+          <p:blipFill>
+            <a:blip r:embed="rId4"/>
+            <a:stretch>
+              <a:fillRect/>
+            </a:stretch>
+          </p:blipFill>
+          <p:spPr>
+            <a:xfrm>
+              <a:off x="5804860" y="694995"/>
+              <a:ext cx="2714625" cy="995693"/>
+            </a:xfrm>
+            <a:prstGeom prst="rect">
+              <a:avLst/>
+            </a:prstGeom>
+          </p:spPr>
+        </p:pic>
+        <p:pic>
+          <p:nvPicPr>
+            <p:cNvPr id="8" name="Picture 7"/>
+            <p:cNvPicPr>
+              <a:picLocks noChangeAspect="1"/>
+            </p:cNvPicPr>
+            <p:nvPr/>
+          </p:nvPicPr>
+          <p:blipFill>
+            <a:blip r:embed="rId5"/>
+            <a:stretch>
+              <a:fillRect/>
+            </a:stretch>
+          </p:blipFill>
+          <p:spPr>
+            <a:xfrm>
+              <a:off x="6234893" y="1305766"/>
+              <a:ext cx="2300631" cy="769844"/>
+            </a:xfrm>
+            <a:prstGeom prst="rect">
+              <a:avLst/>
+            </a:prstGeom>
+          </p:spPr>
+        </p:pic>
+        <p:pic>
+          <p:nvPicPr>
+            <p:cNvPr id="9" name="Picture 8"/>
+            <p:cNvPicPr>
+              <a:picLocks noChangeAspect="1"/>
+            </p:cNvPicPr>
+            <p:nvPr/>
+          </p:nvPicPr>
+          <p:blipFill>
+            <a:blip r:embed="rId6"/>
+            <a:stretch>
+              <a:fillRect/>
+            </a:stretch>
+          </p:blipFill>
+          <p:spPr>
+            <a:xfrm>
+              <a:off x="6617208" y="1690688"/>
+              <a:ext cx="2009611" cy="2136201"/>
+            </a:xfrm>
+            <a:prstGeom prst="rect">
+              <a:avLst/>
+            </a:prstGeom>
+          </p:spPr>
+        </p:pic>
+        <p:pic>
+          <p:nvPicPr>
+            <p:cNvPr id="10" name="Picture 9"/>
+            <p:cNvPicPr>
+              <a:picLocks noChangeAspect="1"/>
+            </p:cNvPicPr>
+            <p:nvPr/>
+          </p:nvPicPr>
+          <p:blipFill>
+            <a:blip r:embed="rId7"/>
+            <a:stretch>
+              <a:fillRect/>
+            </a:stretch>
+          </p:blipFill>
+          <p:spPr>
+            <a:xfrm>
+              <a:off x="7473217" y="2243156"/>
+              <a:ext cx="3525273" cy="252427"/>
+            </a:xfrm>
+            <a:prstGeom prst="rect">
+              <a:avLst/>
+            </a:prstGeom>
+          </p:spPr>
+        </p:pic>
+      </p:grpSp>
+      <p:sp>
+        <p:nvSpPr>
+          <p:cNvPr id="2" name="Title 1"/>
+          <p:cNvSpPr>
+            <a:spLocks noGrp="1"/>
+          </p:cNvSpPr>
+          <p:nvPr>
+            <p:ph type="title"/>
+          </p:nvPr>
+        </p:nvSpPr>
+        <p:spPr/>
+        <p:txBody>
+          <a:bodyPr/>
+          <a:lstStyle/>
+          <a:p>
+            <a:endParaRPr lang="en-US"/>
+          </a:p>
+        </p:txBody>
+      </p:sp>
+      <p:pic>
+        <p:nvPicPr>
+          <p:cNvPr id="4" name="Content Placeholder 3"/>
+          <p:cNvPicPr>
+            <a:picLocks noGrp="1" noChangeAspect="1"/>
+          </p:cNvPicPr>
+          <p:nvPr>
+            <p:ph idx="1"/>
+          </p:nvPr>
+        </p:nvPicPr>
+        <p:blipFill>
+          <a:blip r:embed="rId8"/>
+          <a:stretch>
+            <a:fillRect/>
+          </a:stretch>
+        </p:blipFill>
+        <p:spPr>
+          <a:xfrm>
+            <a:off x="193742" y="133144"/>
+            <a:ext cx="6011114" cy="2962688"/>
+          </a:xfrm>
+          <a:prstGeom prst="rect">
+            <a:avLst/>
+          </a:prstGeom>
+        </p:spPr>
+      </p:pic>
+      <p:pic>
+        <p:nvPicPr>
+          <p:cNvPr id="11" name="Picture 10"/>
+          <p:cNvPicPr>
+            <a:picLocks noChangeAspect="1"/>
+          </p:cNvPicPr>
+          <p:nvPr/>
+        </p:nvPicPr>
+        <p:blipFill>
+          <a:blip r:embed="rId9"/>
+          <a:stretch>
+            <a:fillRect/>
+          </a:stretch>
+        </p:blipFill>
+        <p:spPr>
+          <a:xfrm>
+            <a:off x="6200874" y="133144"/>
+            <a:ext cx="5535241" cy="6511573"/>
+          </a:xfrm>
+          <a:prstGeom prst="rect">
+            <a:avLst/>
+          </a:prstGeom>
+        </p:spPr>
+      </p:pic>
+      <p:sp>
+        <p:nvSpPr>
+          <p:cNvPr id="14" name="Title 1"/>
+          <p:cNvSpPr txBox="1">
+            <a:spLocks/>
+          </p:cNvSpPr>
+          <p:nvPr/>
+        </p:nvSpPr>
+        <p:spPr>
+          <a:xfrm rot="5400000">
+            <a:off x="-482516" y="4553661"/>
+            <a:ext cx="2641430" cy="1325563"/>
+          </a:xfrm>
+          <a:prstGeom prst="rect">
+            <a:avLst/>
+          </a:prstGeom>
+        </p:spPr>
+        <p:txBody>
+          <a:bodyPr vert="horz" lIns="91440" tIns="45720" rIns="91440" bIns="45720" rtlCol="0" anchor="ctr">
+            <a:normAutofit/>
+          </a:bodyPr>
+          <a:lstStyle>
+            <a:lvl1pPr algn="l" defTabSz="914400" rtl="0" eaLnBrk="1" latinLnBrk="0" hangingPunct="1">
+              <a:lnSpc>
+                <a:spcPct val="90000"/>
+              </a:lnSpc>
+              <a:spcBef>
+                <a:spcPct val="0"/>
+              </a:spcBef>
+              <a:buNone/>
+              <a:defRPr sz="4400" kern="1200">
+                <a:solidFill>
+                  <a:schemeClr val="tx1"/>
+                </a:solidFill>
+                <a:latin typeface="+mj-lt"/>
+                <a:ea typeface="+mj-ea"/>
+                <a:cs typeface="+mj-cs"/>
+              </a:defRPr>
+            </a:lvl1pPr>
+          </a:lstStyle>
+          <a:p>
+            <a:r>
+              <a:rPr lang="en-US" dirty="0" smtClean="0"/>
+              <a:t>MVC</a:t>
+            </a:r>
+            <a:endParaRPr lang="en-US" dirty="0"/>
+          </a:p>
+        </p:txBody>
+      </p:sp>
+    </p:spTree>
+    <p:extLst>
+      <p:ext uri="{BB962C8B-B14F-4D97-AF65-F5344CB8AC3E}">
+        <p14:creationId xmlns:p14="http://schemas.microsoft.com/office/powerpoint/2010/main" val="606575003"/>
+      </p:ext>
+    </p:extLst>
+  </p:cSld>
+  <p:clrMapOvr>
+    <a:masterClrMapping/>
+  </p:clrMapOvr>
+  <p:timing>
+    <p:tnLst>
+      <p:par>
+        <p:cTn id="1" dur="indefinite" restart="never" nodeType="tmRoot"/>
+      </p:par>
+    </p:tnLst>
+  </p:timing>
+</p:sld>
+</file>
+
+<file path=ppt/slides/slide9.xml><?xml version="1.0" encoding="utf-8"?>
+<p:sld xmlns:a="http://schemas.openxmlformats.org/drawingml/2006/main" xmlns:r="http://schemas.openxmlformats.org/officeDocument/2006/relationships" xmlns:p="http://schemas.openxmlformats.org/presentationml/2006/main">
+  <p:cSld>
+    <p:spTree>
+      <p:nvGrpSpPr>
+        <p:cNvPr id="1" name=""/>
+        <p:cNvGrpSpPr/>
+        <p:nvPr/>
+      </p:nvGrpSpPr>
+      <p:grpSpPr>
+        <a:xfrm>
+          <a:off x="0" y="0"/>
+          <a:ext cx="0" cy="0"/>
+          <a:chOff x="0" y="0"/>
+          <a:chExt cx="0" cy="0"/>
+        </a:xfrm>
+      </p:grpSpPr>
+      <p:sp>
+        <p:nvSpPr>
+          <p:cNvPr id="2" name="Title 1"/>
+          <p:cNvSpPr>
+            <a:spLocks noGrp="1"/>
+          </p:cNvSpPr>
+          <p:nvPr>
+            <p:ph type="title"/>
+          </p:nvPr>
+        </p:nvSpPr>
+        <p:spPr/>
+        <p:txBody>
+          <a:bodyPr/>
+          <a:lstStyle/>
+          <a:p>
+            <a:r>
+              <a:rPr lang="en-US" dirty="0" smtClean="0"/>
+              <a:t>OData</a:t>
+            </a:r>
+            <a:endParaRPr lang="en-US" dirty="0"/>
+          </a:p>
+        </p:txBody>
+      </p:sp>
+      <p:pic>
+        <p:nvPicPr>
+          <p:cNvPr id="4" name="Content Placeholder 3"/>
+          <p:cNvPicPr>
+            <a:picLocks noGrp="1" noChangeAspect="1"/>
+          </p:cNvPicPr>
+          <p:nvPr>
+            <p:ph idx="1"/>
+          </p:nvPr>
+        </p:nvPicPr>
+        <p:blipFill>
+          <a:blip r:embed="rId2"/>
+          <a:stretch>
+            <a:fillRect/>
+          </a:stretch>
+        </p:blipFill>
+        <p:spPr>
+          <a:xfrm>
+            <a:off x="452019" y="1605640"/>
+            <a:ext cx="5992061" cy="1667108"/>
+          </a:xfrm>
+          <a:prstGeom prst="rect">
+            <a:avLst/>
+          </a:prstGeom>
+        </p:spPr>
+      </p:pic>
+      <p:pic>
+        <p:nvPicPr>
+          <p:cNvPr id="5" name="Picture 4"/>
+          <p:cNvPicPr>
+            <a:picLocks noChangeAspect="1"/>
+          </p:cNvPicPr>
+          <p:nvPr/>
+        </p:nvPicPr>
+        <p:blipFill>
+          <a:blip r:embed="rId3"/>
+          <a:stretch>
+            <a:fillRect/>
+          </a:stretch>
+        </p:blipFill>
+        <p:spPr>
+          <a:xfrm>
+            <a:off x="452019" y="3705047"/>
+            <a:ext cx="5258534" cy="2553056"/>
+          </a:xfrm>
+          <a:prstGeom prst="rect">
+            <a:avLst/>
+          </a:prstGeom>
+        </p:spPr>
+      </p:pic>
+    </p:spTree>
+    <p:extLst>
+      <p:ext uri="{BB962C8B-B14F-4D97-AF65-F5344CB8AC3E}">
+        <p14:creationId xmlns:p14="http://schemas.microsoft.com/office/powerpoint/2010/main" val="2796481302"/>
+      </p:ext>
+    </p:extLst>
+  </p:cSld>
+  <p:clrMapOvr>
+    <a:masterClrMapping/>
+  </p:clrMapOvr>
+  <p:timing>
+    <p:tnLst>
+      <p:par>
+        <p:cTn id="1" dur="indefinite" restart="never" nodeType="tmRoot"/>
+      </p:par>
+    </p:tnLst>
+  </p:timing>
 </p:sld>
 </file>
 
